--- a/Онлайн магазин.pptx
+++ b/Онлайн магазин.pptx
@@ -10,9 +10,8 @@
     <p:sldId id="257" r:id="rId4"/>
     <p:sldId id="259" r:id="rId5"/>
     <p:sldId id="260" r:id="rId6"/>
-    <p:sldId id="261" r:id="rId7"/>
-    <p:sldId id="262" r:id="rId8"/>
-    <p:sldId id="263" r:id="rId9"/>
+    <p:sldId id="262" r:id="rId7"/>
+    <p:sldId id="263" r:id="rId8"/>
   </p:sldIdLst>
   <p:sldSz cx="12192000" cy="6858000"/>
   <p:notesSz cx="6858000" cy="9144000"/>
@@ -121,7 +120,6 @@
             <p14:sldId id="257"/>
             <p14:sldId id="259"/>
             <p14:sldId id="260"/>
-            <p14:sldId id="261"/>
             <p14:sldId id="262"/>
             <p14:sldId id="263"/>
           </p14:sldIdLst>
@@ -282,7 +280,7 @@
           <a:p>
             <a:fld id="{B9683BA4-81A5-49D8-9B76-90E5A2FAC7DB}" type="datetimeFigureOut">
               <a:rPr lang="ru-RU" smtClean="0"/>
-              <a:t>25.02.2024</a:t>
+              <a:t>02.03.2024</a:t>
             </a:fld>
             <a:endParaRPr lang="ru-RU"/>
           </a:p>
@@ -480,7 +478,7 @@
           <a:p>
             <a:fld id="{B9683BA4-81A5-49D8-9B76-90E5A2FAC7DB}" type="datetimeFigureOut">
               <a:rPr lang="ru-RU" smtClean="0"/>
-              <a:t>25.02.2024</a:t>
+              <a:t>02.03.2024</a:t>
             </a:fld>
             <a:endParaRPr lang="ru-RU"/>
           </a:p>
@@ -688,7 +686,7 @@
           <a:p>
             <a:fld id="{B9683BA4-81A5-49D8-9B76-90E5A2FAC7DB}" type="datetimeFigureOut">
               <a:rPr lang="ru-RU" smtClean="0"/>
-              <a:t>25.02.2024</a:t>
+              <a:t>02.03.2024</a:t>
             </a:fld>
             <a:endParaRPr lang="ru-RU"/>
           </a:p>
@@ -886,7 +884,7 @@
           <a:p>
             <a:fld id="{B9683BA4-81A5-49D8-9B76-90E5A2FAC7DB}" type="datetimeFigureOut">
               <a:rPr lang="ru-RU" smtClean="0"/>
-              <a:t>25.02.2024</a:t>
+              <a:t>02.03.2024</a:t>
             </a:fld>
             <a:endParaRPr lang="ru-RU"/>
           </a:p>
@@ -1161,7 +1159,7 @@
           <a:p>
             <a:fld id="{B9683BA4-81A5-49D8-9B76-90E5A2FAC7DB}" type="datetimeFigureOut">
               <a:rPr lang="ru-RU" smtClean="0"/>
-              <a:t>25.02.2024</a:t>
+              <a:t>02.03.2024</a:t>
             </a:fld>
             <a:endParaRPr lang="ru-RU"/>
           </a:p>
@@ -1426,7 +1424,7 @@
           <a:p>
             <a:fld id="{B9683BA4-81A5-49D8-9B76-90E5A2FAC7DB}" type="datetimeFigureOut">
               <a:rPr lang="ru-RU" smtClean="0"/>
-              <a:t>25.02.2024</a:t>
+              <a:t>02.03.2024</a:t>
             </a:fld>
             <a:endParaRPr lang="ru-RU"/>
           </a:p>
@@ -1838,7 +1836,7 @@
           <a:p>
             <a:fld id="{B9683BA4-81A5-49D8-9B76-90E5A2FAC7DB}" type="datetimeFigureOut">
               <a:rPr lang="ru-RU" smtClean="0"/>
-              <a:t>25.02.2024</a:t>
+              <a:t>02.03.2024</a:t>
             </a:fld>
             <a:endParaRPr lang="ru-RU"/>
           </a:p>
@@ -1979,7 +1977,7 @@
           <a:p>
             <a:fld id="{B9683BA4-81A5-49D8-9B76-90E5A2FAC7DB}" type="datetimeFigureOut">
               <a:rPr lang="ru-RU" smtClean="0"/>
-              <a:t>25.02.2024</a:t>
+              <a:t>02.03.2024</a:t>
             </a:fld>
             <a:endParaRPr lang="ru-RU"/>
           </a:p>
@@ -2092,7 +2090,7 @@
           <a:p>
             <a:fld id="{B9683BA4-81A5-49D8-9B76-90E5A2FAC7DB}" type="datetimeFigureOut">
               <a:rPr lang="ru-RU" smtClean="0"/>
-              <a:t>25.02.2024</a:t>
+              <a:t>02.03.2024</a:t>
             </a:fld>
             <a:endParaRPr lang="ru-RU"/>
           </a:p>
@@ -2403,7 +2401,7 @@
           <a:p>
             <a:fld id="{B9683BA4-81A5-49D8-9B76-90E5A2FAC7DB}" type="datetimeFigureOut">
               <a:rPr lang="ru-RU" smtClean="0"/>
-              <a:t>25.02.2024</a:t>
+              <a:t>02.03.2024</a:t>
             </a:fld>
             <a:endParaRPr lang="ru-RU"/>
           </a:p>
@@ -2691,7 +2689,7 @@
           <a:p>
             <a:fld id="{B9683BA4-81A5-49D8-9B76-90E5A2FAC7DB}" type="datetimeFigureOut">
               <a:rPr lang="ru-RU" smtClean="0"/>
-              <a:t>25.02.2024</a:t>
+              <a:t>02.03.2024</a:t>
             </a:fld>
             <a:endParaRPr lang="ru-RU"/>
           </a:p>
@@ -2932,7 +2930,7 @@
           <a:p>
             <a:fld id="{B9683BA4-81A5-49D8-9B76-90E5A2FAC7DB}" type="datetimeFigureOut">
               <a:rPr lang="ru-RU" smtClean="0"/>
-              <a:t>25.02.2024</a:t>
+              <a:t>02.03.2024</a:t>
             </a:fld>
             <a:endParaRPr lang="ru-RU"/>
           </a:p>
@@ -4002,78 +4000,6 @@
         <p:cNvPr id="1" name="">
           <a:extLst>
             <a:ext uri="{FF2B5EF4-FFF2-40B4-BE49-F238E27FC236}">
-              <a16:creationId xmlns:a16="http://schemas.microsoft.com/office/drawing/2014/main" id="{6C8E6B38-B910-FD42-7144-65D5230CC83E}"/>
-            </a:ext>
-          </a:extLst>
-        </p:cNvPr>
-        <p:cNvGrpSpPr/>
-        <p:nvPr/>
-      </p:nvGrpSpPr>
-      <p:grpSpPr>
-        <a:xfrm>
-          <a:off x="0" y="0"/>
-          <a:ext cx="0" cy="0"/>
-          <a:chOff x="0" y="0"/>
-          <a:chExt cx="0" cy="0"/>
-        </a:xfrm>
-      </p:grpSpPr>
-      <p:sp>
-        <p:nvSpPr>
-          <p:cNvPr id="2" name="Заголовок 1">
-            <a:extLst>
-              <a:ext uri="{FF2B5EF4-FFF2-40B4-BE49-F238E27FC236}">
-                <a16:creationId xmlns:a16="http://schemas.microsoft.com/office/drawing/2014/main" id="{A227F351-C173-E6A7-092F-2684BC774F5E}"/>
-              </a:ext>
-            </a:extLst>
-          </p:cNvPr>
-          <p:cNvSpPr>
-            <a:spLocks noGrp="1"/>
-          </p:cNvSpPr>
-          <p:nvPr>
-            <p:ph type="ctrTitle"/>
-          </p:nvPr>
-        </p:nvSpPr>
-        <p:spPr>
-          <a:xfrm>
-            <a:off x="3782712" y="3111801"/>
-            <a:ext cx="4267200" cy="477837"/>
-          </a:xfrm>
-        </p:spPr>
-        <p:txBody>
-          <a:bodyPr>
-            <a:noAutofit/>
-          </a:bodyPr>
-          <a:lstStyle/>
-          <a:p>
-            <a:r>
-              <a:rPr lang="en-US" sz="4000" b="1" dirty="0"/>
-              <a:t>Spring Kafka</a:t>
-            </a:r>
-            <a:endParaRPr lang="ru-RU" sz="4000" b="1" dirty="0"/>
-          </a:p>
-        </p:txBody>
-      </p:sp>
-    </p:spTree>
-    <p:extLst>
-      <p:ext uri="{BB962C8B-B14F-4D97-AF65-F5344CB8AC3E}">
-        <p14:creationId xmlns:p14="http://schemas.microsoft.com/office/powerpoint/2010/main" val="3266743149"/>
-      </p:ext>
-    </p:extLst>
-  </p:cSld>
-  <p:clrMapOvr>
-    <a:masterClrMapping/>
-  </p:clrMapOvr>
-</p:sld>
-</file>
-
-<file path=ppt/slides/slide7.xml><?xml version="1.0" encoding="utf-8"?>
-<p:sld xmlns:a="http://schemas.openxmlformats.org/drawingml/2006/main" xmlns:r="http://schemas.openxmlformats.org/officeDocument/2006/relationships" xmlns:p="http://schemas.openxmlformats.org/presentationml/2006/main">
-  <p:cSld>
-    <p:spTree>
-      <p:nvGrpSpPr>
-        <p:cNvPr id="1" name="">
-          <a:extLst>
-            <a:ext uri="{FF2B5EF4-FFF2-40B4-BE49-F238E27FC236}">
               <a16:creationId xmlns:a16="http://schemas.microsoft.com/office/drawing/2014/main" id="{AD38B664-5AD5-69BD-8985-66E8064CCC02}"/>
             </a:ext>
           </a:extLst>
@@ -4233,41 +4159,6 @@
       </p:pic>
       <p:pic>
         <p:nvPicPr>
-          <p:cNvPr id="15" name="Рисунок 14">
-            <a:extLst>
-              <a:ext uri="{FF2B5EF4-FFF2-40B4-BE49-F238E27FC236}">
-                <a16:creationId xmlns:a16="http://schemas.microsoft.com/office/drawing/2014/main" id="{859B4881-9556-9441-3861-F400FEBB8D42}"/>
-              </a:ext>
-            </a:extLst>
-          </p:cNvPr>
-          <p:cNvPicPr>
-            <a:picLocks noChangeAspect="1"/>
-          </p:cNvPicPr>
-          <p:nvPr/>
-        </p:nvPicPr>
-        <p:blipFill rotWithShape="1">
-          <a:blip r:embed="rId5">
-            <a:extLst>
-              <a:ext uri="{28A0092B-C50C-407E-A947-70E740481C1C}">
-                <a14:useLocalDpi xmlns:a14="http://schemas.microsoft.com/office/drawing/2010/main" val="0"/>
-              </a:ext>
-            </a:extLst>
-          </a:blip>
-          <a:srcRect l="33063" t="11594" r="36806" b="13786"/>
-          <a:stretch/>
-        </p:blipFill>
-        <p:spPr>
-          <a:xfrm>
-            <a:off x="4845117" y="850515"/>
-            <a:ext cx="1178884" cy="1641431"/>
-          </a:xfrm>
-          <a:prstGeom prst="rect">
-            <a:avLst/>
-          </a:prstGeom>
-        </p:spPr>
-      </p:pic>
-      <p:pic>
-        <p:nvPicPr>
           <p:cNvPr id="17" name="Рисунок 16">
             <a:extLst>
               <a:ext uri="{FF2B5EF4-FFF2-40B4-BE49-F238E27FC236}">
@@ -4281,7 +4172,7 @@
           <p:nvPr/>
         </p:nvPicPr>
         <p:blipFill>
-          <a:blip r:embed="rId6">
+          <a:blip r:embed="rId5">
             <a:extLst>
               <a:ext uri="{28A0092B-C50C-407E-A947-70E740481C1C}">
                 <a14:useLocalDpi xmlns:a14="http://schemas.microsoft.com/office/drawing/2010/main" val="0"/>
@@ -4315,7 +4206,7 @@
 </p:sld>
 </file>
 
-<file path=ppt/slides/slide8.xml><?xml version="1.0" encoding="utf-8"?>
+<file path=ppt/slides/slide7.xml><?xml version="1.0" encoding="utf-8"?>
 <p:sld xmlns:a="http://schemas.openxmlformats.org/drawingml/2006/main" xmlns:r="http://schemas.openxmlformats.org/officeDocument/2006/relationships" xmlns:p="http://schemas.openxmlformats.org/presentationml/2006/main">
   <p:cSld>
     <p:spTree>
